--- a/JAVA PPT/Day15 encapsulation.pptx
+++ b/JAVA PPT/Day15 encapsulation.pptx
@@ -249,6 +249,22 @@
       </a:defRPr>
     </a:lvl9pPr>
   </p:defaultTextStyle>
+  <p:extLst>
+    <p:ext uri="{EFAFB233-063F-42B5-8137-9DF3F51BA10A}">
+      <p15:sldGuideLst xmlns:p15="http://schemas.microsoft.com/office/powerpoint/2012/main">
+        <p15:guide id="1" orient="horz" pos="1620" userDrawn="1">
+          <p15:clr>
+            <a:srgbClr val="A4A3A4"/>
+          </p15:clr>
+        </p15:guide>
+        <p15:guide id="2" pos="2876" userDrawn="1">
+          <p15:clr>
+            <a:srgbClr val="A4A3A4"/>
+          </p15:clr>
+        </p15:guide>
+      </p15:sldGuideLst>
+    </p:ext>
+  </p:extLst>
 </p:presentation>
 </file>
 
@@ -14964,25 +14980,152 @@
           </a:p>
         </p:txBody>
       </p:sp>
+      <p:sp>
+        <p:nvSpPr>
+          <p:cNvPr id="12" name="Text Box 11"/>
+          <p:cNvSpPr txBox="1"/>
+          <p:nvPr/>
+        </p:nvSpPr>
+        <p:spPr>
+          <a:xfrm>
+            <a:off x="1096645" y="561340"/>
+            <a:ext cx="3299460" cy="383540"/>
+          </a:xfrm>
+          <a:prstGeom prst="rect">
+            <a:avLst/>
+          </a:prstGeom>
+          <a:noFill/>
+        </p:spPr>
+        <p:txBody>
+          <a:bodyPr wrap="square" rtlCol="0">
+            <a:spAutoFit/>
+          </a:bodyPr>
+          <a:p>
+            <a:r>
+              <a:rPr lang="en-US" sz="1900">
+                <a:solidFill>
+                  <a:srgbClr val="FF0000"/>
+                </a:solidFill>
+                <a:latin typeface="firacode" charset="0"/>
+                <a:cs typeface="firacode" charset="0"/>
+              </a:rPr>
+              <a:t>JAVA Bean-Class :</a:t>
+            </a:r>
+            <a:endParaRPr lang="en-US" sz="1900">
+              <a:solidFill>
+                <a:srgbClr val="FF0000"/>
+              </a:solidFill>
+              <a:latin typeface="firacode" charset="0"/>
+              <a:cs typeface="firacode" charset="0"/>
+            </a:endParaRPr>
+          </a:p>
+        </p:txBody>
+      </p:sp>
+      <p:sp>
+        <p:nvSpPr>
+          <p:cNvPr id="13" name="Text Box 12"/>
+          <p:cNvSpPr txBox="1"/>
+          <p:nvPr/>
+        </p:nvSpPr>
+        <p:spPr>
+          <a:xfrm>
+            <a:off x="1828165" y="1174115"/>
+            <a:ext cx="2011680" cy="321945"/>
+          </a:xfrm>
+          <a:prstGeom prst="rect">
+            <a:avLst/>
+          </a:prstGeom>
+          <a:noFill/>
+        </p:spPr>
+        <p:txBody>
+          <a:bodyPr wrap="square" rtlCol="0">
+            <a:spAutoFit/>
+          </a:bodyPr>
+          <a:p>
+            <a:r>
+              <a:rPr lang="en-US" sz="1500">
+                <a:solidFill>
+                  <a:schemeClr val="accent6"/>
+                </a:solidFill>
+                <a:latin typeface="firacode" charset="0"/>
+                <a:cs typeface="firacode" charset="0"/>
+              </a:rPr>
+              <a:t>Private Attributes</a:t>
+            </a:r>
+            <a:endParaRPr lang="en-US" sz="1500">
+              <a:solidFill>
+                <a:schemeClr val="accent6"/>
+              </a:solidFill>
+              <a:latin typeface="firacode" charset="0"/>
+              <a:cs typeface="firacode" charset="0"/>
+            </a:endParaRPr>
+          </a:p>
+        </p:txBody>
+      </p:sp>
+      <p:sp>
+        <p:nvSpPr>
+          <p:cNvPr id="14" name="Text Box 13"/>
+          <p:cNvSpPr txBox="1"/>
+          <p:nvPr/>
+        </p:nvSpPr>
+        <p:spPr>
+          <a:xfrm>
+            <a:off x="1889125" y="3127375"/>
+            <a:ext cx="2011680" cy="553085"/>
+          </a:xfrm>
+          <a:prstGeom prst="rect">
+            <a:avLst/>
+          </a:prstGeom>
+          <a:noFill/>
+        </p:spPr>
+        <p:txBody>
+          <a:bodyPr wrap="square" rtlCol="0">
+            <a:spAutoFit/>
+          </a:bodyPr>
+          <a:p>
+            <a:r>
+              <a:rPr lang="en-US" sz="1500">
+                <a:solidFill>
+                  <a:schemeClr val="accent6"/>
+                </a:solidFill>
+                <a:latin typeface="firacode" charset="0"/>
+                <a:cs typeface="firacode" charset="0"/>
+              </a:rPr>
+              <a:t>Getter and Setter method</a:t>
+            </a:r>
+            <a:endParaRPr lang="en-US" sz="1500">
+              <a:solidFill>
+                <a:schemeClr val="accent6"/>
+              </a:solidFill>
+              <a:latin typeface="firacode" charset="0"/>
+              <a:cs typeface="firacode" charset="0"/>
+            </a:endParaRPr>
+          </a:p>
+        </p:txBody>
+      </p:sp>
       <p:pic>
         <p:nvPicPr>
-          <p:cNvPr id="3" name="Picture 2" descr="encap-1"/>
+          <p:cNvPr id="5" name="Picture 4"/>
           <p:cNvPicPr>
             <a:picLocks noChangeAspect="1"/>
           </p:cNvPicPr>
-          <p:nvPr/>
+          <p:nvPr>
+            <p:custDataLst>
+              <p:tags r:id="rId1"/>
+            </p:custDataLst>
+          </p:nvPr>
         </p:nvPicPr>
         <p:blipFill>
-          <a:blip r:embed="rId1"/>
-          <a:srcRect l="5624" t="6198" r="5297" b="5321"/>
+          <a:blip r:embed="rId2"/>
+          <a:srcRect l="6874" t="4379" r="5329" b="4569"/>
           <a:stretch>
             <a:fillRect/>
           </a:stretch>
         </p:blipFill>
         <p:spPr>
           <a:xfrm>
-            <a:off x="4641215" y="634365"/>
-            <a:ext cx="4281170" cy="3874770"/>
+            <a:off x="4950460" y="448945"/>
+            <a:ext cx="2887345" cy="3947795"/>
           </a:xfrm>
           <a:prstGeom prst="rect">
             <a:avLst/>
@@ -14991,14 +15134,14 @@
       </p:pic>
       <p:sp>
         <p:nvSpPr>
-          <p:cNvPr id="4" name="Rectangles 3"/>
+          <p:cNvPr id="8" name="Rectangles 7"/>
           <p:cNvSpPr/>
           <p:nvPr/>
         </p:nvSpPr>
         <p:spPr>
           <a:xfrm>
-            <a:off x="5055870" y="1174115"/>
-            <a:ext cx="1783080" cy="306705"/>
+            <a:off x="5340985" y="2412365"/>
+            <a:ext cx="2106295" cy="1633220"/>
           </a:xfrm>
           <a:prstGeom prst="rect">
             <a:avLst/>
@@ -15028,14 +15171,14 @@
       </p:sp>
       <p:sp>
         <p:nvSpPr>
-          <p:cNvPr id="8" name="Rectangles 7"/>
+          <p:cNvPr id="4" name="Rectangles 3"/>
           <p:cNvSpPr/>
           <p:nvPr/>
         </p:nvSpPr>
         <p:spPr>
           <a:xfrm>
-            <a:off x="5116830" y="2462530"/>
-            <a:ext cx="2106295" cy="1619885"/>
+            <a:off x="5205095" y="1174115"/>
+            <a:ext cx="1783080" cy="306705"/>
           </a:xfrm>
           <a:prstGeom prst="rect">
             <a:avLst/>
@@ -15065,16 +15208,14 @@
       </p:sp>
       <p:cxnSp>
         <p:nvCxnSpPr>
-          <p:cNvPr id="10" name="Straight Arrow Connector 9"/>
-          <p:cNvCxnSpPr>
-            <a:stCxn id="4" idx="1"/>
-          </p:cNvCxnSpPr>
+          <p:cNvPr id="11" name="Straight Arrow Connector 10"/>
+          <p:cNvCxnSpPr/>
           <p:nvPr/>
         </p:nvCxnSpPr>
         <p:spPr>
-          <a:xfrm flipH="1" flipV="1">
-            <a:off x="3839845" y="1311910"/>
-            <a:ext cx="1216025" cy="15875"/>
+          <a:xfrm flipH="1">
+            <a:off x="3931920" y="3255010"/>
+            <a:ext cx="1409065" cy="9525"/>
           </a:xfrm>
           <a:prstGeom prst="straightConnector1">
             <a:avLst/>
@@ -15100,13 +15241,15 @@
       </p:cxnSp>
       <p:cxnSp>
         <p:nvCxnSpPr>
-          <p:cNvPr id="11" name="Straight Arrow Connector 10"/>
-          <p:cNvCxnSpPr/>
+          <p:cNvPr id="10" name="Straight Arrow Connector 9"/>
+          <p:cNvCxnSpPr>
+            <a:stCxn id="4" idx="1"/>
+          </p:cNvCxnSpPr>
           <p:nvPr/>
         </p:nvCxnSpPr>
         <p:spPr>
           <a:xfrm flipH="1" flipV="1">
-            <a:off x="3900805" y="3280410"/>
+            <a:off x="3989070" y="1311910"/>
             <a:ext cx="1216025" cy="15875"/>
           </a:xfrm>
           <a:prstGeom prst="straightConnector1">
@@ -15131,129 +15274,6 @@
           </a:fontRef>
         </p:style>
       </p:cxnSp>
-      <p:sp>
-        <p:nvSpPr>
-          <p:cNvPr id="12" name="Text Box 11"/>
-          <p:cNvSpPr txBox="1"/>
-          <p:nvPr/>
-        </p:nvSpPr>
-        <p:spPr>
-          <a:xfrm>
-            <a:off x="1096645" y="561340"/>
-            <a:ext cx="3299460" cy="383540"/>
-          </a:xfrm>
-          <a:prstGeom prst="rect">
-            <a:avLst/>
-          </a:prstGeom>
-          <a:noFill/>
-        </p:spPr>
-        <p:txBody>
-          <a:bodyPr wrap="square" rtlCol="0">
-            <a:spAutoFit/>
-          </a:bodyPr>
-          <a:p>
-            <a:r>
-              <a:rPr lang="en-US" sz="1900">
-                <a:solidFill>
-                  <a:srgbClr val="FF0000"/>
-                </a:solidFill>
-                <a:latin typeface="firacode" charset="0"/>
-                <a:cs typeface="firacode" charset="0"/>
-              </a:rPr>
-              <a:t>JAVA Bean-Class :</a:t>
-            </a:r>
-            <a:endParaRPr lang="en-US" sz="1900">
-              <a:solidFill>
-                <a:srgbClr val="FF0000"/>
-              </a:solidFill>
-              <a:latin typeface="firacode" charset="0"/>
-              <a:cs typeface="firacode" charset="0"/>
-            </a:endParaRPr>
-          </a:p>
-        </p:txBody>
-      </p:sp>
-      <p:sp>
-        <p:nvSpPr>
-          <p:cNvPr id="13" name="Text Box 12"/>
-          <p:cNvSpPr txBox="1"/>
-          <p:nvPr/>
-        </p:nvSpPr>
-        <p:spPr>
-          <a:xfrm>
-            <a:off x="1828165" y="1174115"/>
-            <a:ext cx="2011680" cy="321945"/>
-          </a:xfrm>
-          <a:prstGeom prst="rect">
-            <a:avLst/>
-          </a:prstGeom>
-          <a:noFill/>
-        </p:spPr>
-        <p:txBody>
-          <a:bodyPr wrap="square" rtlCol="0">
-            <a:spAutoFit/>
-          </a:bodyPr>
-          <a:p>
-            <a:r>
-              <a:rPr lang="en-US" sz="1500">
-                <a:solidFill>
-                  <a:schemeClr val="accent6"/>
-                </a:solidFill>
-                <a:latin typeface="firacode" charset="0"/>
-                <a:cs typeface="firacode" charset="0"/>
-              </a:rPr>
-              <a:t>Private Attributes</a:t>
-            </a:r>
-            <a:endParaRPr lang="en-US" sz="1500">
-              <a:solidFill>
-                <a:schemeClr val="accent6"/>
-              </a:solidFill>
-              <a:latin typeface="firacode" charset="0"/>
-              <a:cs typeface="firacode" charset="0"/>
-            </a:endParaRPr>
-          </a:p>
-        </p:txBody>
-      </p:sp>
-      <p:sp>
-        <p:nvSpPr>
-          <p:cNvPr id="14" name="Text Box 13"/>
-          <p:cNvSpPr txBox="1"/>
-          <p:nvPr/>
-        </p:nvSpPr>
-        <p:spPr>
-          <a:xfrm>
-            <a:off x="1889125" y="3127375"/>
-            <a:ext cx="2011680" cy="553085"/>
-          </a:xfrm>
-          <a:prstGeom prst="rect">
-            <a:avLst/>
-          </a:prstGeom>
-          <a:noFill/>
-        </p:spPr>
-        <p:txBody>
-          <a:bodyPr wrap="square" rtlCol="0">
-            <a:spAutoFit/>
-          </a:bodyPr>
-          <a:p>
-            <a:r>
-              <a:rPr lang="en-US" sz="1500">
-                <a:solidFill>
-                  <a:schemeClr val="accent6"/>
-                </a:solidFill>
-                <a:latin typeface="firacode" charset="0"/>
-                <a:cs typeface="firacode" charset="0"/>
-              </a:rPr>
-              <a:t>Getter and Setter method</a:t>
-            </a:r>
-            <a:endParaRPr lang="en-US" sz="1500">
-              <a:solidFill>
-                <a:schemeClr val="accent6"/>
-              </a:solidFill>
-              <a:latin typeface="firacode" charset="0"/>
-              <a:cs typeface="firacode" charset="0"/>
-            </a:endParaRPr>
-          </a:p>
-        </p:txBody>
-      </p:sp>
     </p:spTree>
   </p:cSld>
   <p:clrMapOvr>
@@ -15328,74 +15348,30 @@
                             </p:childTnLst>
                           </p:cTn>
                         </p:par>
+                      </p:childTnLst>
+                    </p:cTn>
+                  </p:par>
+                  <p:par>
+                    <p:cTn id="8" fill="hold">
+                      <p:stCondLst>
+                        <p:cond delay="indefinite"/>
+                      </p:stCondLst>
+                      <p:childTnLst>
                         <p:par>
-                          <p:cTn id="8" fill="hold">
+                          <p:cTn id="9" fill="hold">
                             <p:stCondLst>
-                              <p:cond delay="1299"/>
+                              <p:cond delay="0"/>
                             </p:stCondLst>
                             <p:childTnLst>
                               <p:par>
-                                <p:cTn id="9" presetID="10" presetClass="entr" presetSubtype="0" fill="hold" nodeType="afterEffect">
+                                <p:cTn id="10" presetID="10" presetClass="entr" presetSubtype="0" fill="hold" grpId="0" nodeType="clickEffect">
                                   <p:stCondLst>
                                     <p:cond delay="0"/>
                                   </p:stCondLst>
                                   <p:childTnLst>
                                     <p:set>
                                       <p:cBhvr>
-                                        <p:cTn id="10" dur="1" fill="hold">
-                                          <p:stCondLst>
-                                            <p:cond delay="0"/>
-                                          </p:stCondLst>
-                                        </p:cTn>
-                                        <p:tgtEl>
-                                          <p:spTgt spid="3"/>
-                                        </p:tgtEl>
-                                        <p:attrNameLst>
-                                          <p:attrName>style.visibility</p:attrName>
-                                        </p:attrNameLst>
-                                      </p:cBhvr>
-                                      <p:to>
-                                        <p:strVal val="visible"/>
-                                      </p:to>
-                                    </p:set>
-                                    <p:animEffect transition="in" filter="fade">
-                                      <p:cBhvr>
-                                        <p:cTn id="11" dur="500"/>
-                                        <p:tgtEl>
-                                          <p:spTgt spid="3"/>
-                                        </p:tgtEl>
-                                      </p:cBhvr>
-                                    </p:animEffect>
-                                  </p:childTnLst>
-                                </p:cTn>
-                              </p:par>
-                            </p:childTnLst>
-                          </p:cTn>
-                        </p:par>
-                      </p:childTnLst>
-                    </p:cTn>
-                  </p:par>
-                  <p:par>
-                    <p:cTn id="12" fill="hold">
-                      <p:stCondLst>
-                        <p:cond delay="indefinite"/>
-                      </p:stCondLst>
-                      <p:childTnLst>
-                        <p:par>
-                          <p:cTn id="13" fill="hold">
-                            <p:stCondLst>
-                              <p:cond delay="0"/>
-                            </p:stCondLst>
-                            <p:childTnLst>
-                              <p:par>
-                                <p:cTn id="14" presetID="10" presetClass="entr" presetSubtype="0" fill="hold" grpId="0" nodeType="clickEffect">
-                                  <p:stCondLst>
-                                    <p:cond delay="0"/>
-                                  </p:stCondLst>
-                                  <p:childTnLst>
-                                    <p:set>
-                                      <p:cBhvr>
-                                        <p:cTn id="15" dur="1" fill="hold">
+                                        <p:cTn id="11" dur="1" fill="hold">
                                           <p:stCondLst>
                                             <p:cond delay="0"/>
                                           </p:stCondLst>
@@ -15413,7 +15389,7 @@
                                     </p:set>
                                     <p:animEffect transition="in" filter="fade">
                                       <p:cBhvr>
-                                        <p:cTn id="16" dur="500"/>
+                                        <p:cTn id="12" dur="500"/>
                                         <p:tgtEl>
                                           <p:spTgt spid="4"/>
                                         </p:tgtEl>
@@ -15429,26 +15405,26 @@
                     </p:cTn>
                   </p:par>
                   <p:par>
-                    <p:cTn id="17" fill="hold">
+                    <p:cTn id="13" fill="hold">
                       <p:stCondLst>
                         <p:cond delay="indefinite"/>
                       </p:stCondLst>
                       <p:childTnLst>
                         <p:par>
-                          <p:cTn id="18" fill="hold">
+                          <p:cTn id="14" fill="hold">
                             <p:stCondLst>
                               <p:cond delay="0"/>
                             </p:stCondLst>
                             <p:childTnLst>
                               <p:par>
-                                <p:cTn id="19" presetID="10" presetClass="entr" presetSubtype="0" fill="hold" nodeType="clickEffect">
+                                <p:cTn id="15" presetID="10" presetClass="entr" presetSubtype="0" fill="hold" nodeType="clickEffect">
                                   <p:stCondLst>
                                     <p:cond delay="0"/>
                                   </p:stCondLst>
                                   <p:childTnLst>
                                     <p:set>
                                       <p:cBhvr>
-                                        <p:cTn id="20" dur="1" fill="hold">
+                                        <p:cTn id="16" dur="1" fill="hold">
                                           <p:stCondLst>
                                             <p:cond delay="0"/>
                                           </p:stCondLst>
@@ -15466,7 +15442,7 @@
                                     </p:set>
                                     <p:animEffect transition="in" filter="fade">
                                       <p:cBhvr>
-                                        <p:cTn id="21" dur="500"/>
+                                        <p:cTn id="17" dur="500"/>
                                         <p:tgtEl>
                                           <p:spTgt spid="10"/>
                                         </p:tgtEl>
@@ -15482,26 +15458,26 @@
                     </p:cTn>
                   </p:par>
                   <p:par>
-                    <p:cTn id="22" fill="hold">
+                    <p:cTn id="18" fill="hold">
                       <p:stCondLst>
                         <p:cond delay="indefinite"/>
                       </p:stCondLst>
                       <p:childTnLst>
                         <p:par>
-                          <p:cTn id="23" fill="hold">
+                          <p:cTn id="19" fill="hold">
                             <p:stCondLst>
                               <p:cond delay="0"/>
                             </p:stCondLst>
                             <p:childTnLst>
                               <p:par>
-                                <p:cTn id="24" presetID="10" presetClass="entr" presetSubtype="0" fill="hold" nodeType="clickEffect">
+                                <p:cTn id="20" presetID="10" presetClass="entr" presetSubtype="0" fill="hold" nodeType="clickEffect">
                                   <p:stCondLst>
                                     <p:cond delay="0"/>
                                   </p:stCondLst>
                                   <p:childTnLst>
                                     <p:set>
                                       <p:cBhvr>
-                                        <p:cTn id="25" dur="1" fill="hold">
+                                        <p:cTn id="21" dur="1" fill="hold">
                                           <p:stCondLst>
                                             <p:cond delay="0"/>
                                           </p:stCondLst>
@@ -15523,7 +15499,7 @@
                                     </p:set>
                                     <p:animEffect transition="in" filter="fade">
                                       <p:cBhvr>
-                                        <p:cTn id="26" dur="500"/>
+                                        <p:cTn id="22" dur="500"/>
                                         <p:tgtEl>
                                           <p:spTgt spid="13">
                                             <p:txEl>
@@ -15540,20 +15516,20 @@
                           </p:cTn>
                         </p:par>
                         <p:par>
-                          <p:cTn id="27" fill="hold">
+                          <p:cTn id="23" fill="hold">
                             <p:stCondLst>
                               <p:cond delay="500"/>
                             </p:stCondLst>
                             <p:childTnLst>
                               <p:par>
-                                <p:cTn id="28" presetID="10" presetClass="entr" presetSubtype="0" fill="hold" grpId="0" nodeType="afterEffect">
+                                <p:cTn id="24" presetID="10" presetClass="entr" presetSubtype="0" fill="hold" grpId="0" nodeType="afterEffect">
                                   <p:stCondLst>
                                     <p:cond delay="0"/>
                                   </p:stCondLst>
                                   <p:childTnLst>
                                     <p:set>
                                       <p:cBhvr>
-                                        <p:cTn id="29" dur="1" fill="hold">
+                                        <p:cTn id="25" dur="1" fill="hold">
                                           <p:stCondLst>
                                             <p:cond delay="0"/>
                                           </p:stCondLst>
@@ -15571,7 +15547,7 @@
                                     </p:set>
                                     <p:animEffect transition="in" filter="fade">
                                       <p:cBhvr>
-                                        <p:cTn id="30" dur="500"/>
+                                        <p:cTn id="26" dur="500"/>
                                         <p:tgtEl>
                                           <p:spTgt spid="8"/>
                                         </p:tgtEl>
@@ -15587,26 +15563,26 @@
                     </p:cTn>
                   </p:par>
                   <p:par>
-                    <p:cTn id="31" fill="hold">
+                    <p:cTn id="27" fill="hold">
                       <p:stCondLst>
                         <p:cond delay="indefinite"/>
                       </p:stCondLst>
                       <p:childTnLst>
                         <p:par>
-                          <p:cTn id="32" fill="hold">
+                          <p:cTn id="28" fill="hold">
                             <p:stCondLst>
                               <p:cond delay="0"/>
                             </p:stCondLst>
                             <p:childTnLst>
                               <p:par>
-                                <p:cTn id="33" presetID="10" presetClass="entr" presetSubtype="0" fill="hold" nodeType="clickEffect">
+                                <p:cTn id="29" presetID="10" presetClass="entr" presetSubtype="0" fill="hold" nodeType="clickEffect">
                                   <p:stCondLst>
                                     <p:cond delay="0"/>
                                   </p:stCondLst>
                                   <p:childTnLst>
                                     <p:set>
                                       <p:cBhvr>
-                                        <p:cTn id="34" dur="1" fill="hold">
+                                        <p:cTn id="30" dur="1" fill="hold">
                                           <p:stCondLst>
                                             <p:cond delay="0"/>
                                           </p:stCondLst>
@@ -15624,7 +15600,7 @@
                                     </p:set>
                                     <p:animEffect transition="in" filter="fade">
                                       <p:cBhvr>
-                                        <p:cTn id="35" dur="500"/>
+                                        <p:cTn id="31" dur="500"/>
                                         <p:tgtEl>
                                           <p:spTgt spid="11"/>
                                         </p:tgtEl>
@@ -15640,19 +15616,19 @@
                     </p:cTn>
                   </p:par>
                   <p:par>
-                    <p:cTn id="36" fill="hold">
+                    <p:cTn id="32" fill="hold">
                       <p:stCondLst>
                         <p:cond delay="indefinite"/>
                       </p:stCondLst>
                       <p:childTnLst>
                         <p:par>
-                          <p:cTn id="37" fill="hold">
+                          <p:cTn id="33" fill="hold">
                             <p:stCondLst>
                               <p:cond delay="0"/>
                             </p:stCondLst>
                             <p:childTnLst>
                               <p:par>
-                                <p:cTn id="38" presetID="10" presetClass="entr" presetSubtype="0" fill="hold" nodeType="clickEffect">
+                                <p:cTn id="34" presetID="10" presetClass="entr" presetSubtype="0" fill="hold" nodeType="clickEffect">
                                   <p:stCondLst>
                                     <p:cond delay="0"/>
                                   </p:stCondLst>
@@ -15662,7 +15638,7 @@
                                   <p:childTnLst>
                                     <p:set>
                                       <p:cBhvr>
-                                        <p:cTn id="39" dur="1" fill="hold">
+                                        <p:cTn id="35" dur="1" fill="hold">
                                           <p:stCondLst>
                                             <p:cond delay="0"/>
                                           </p:stCondLst>
@@ -15684,7 +15660,7 @@
                                     </p:set>
                                     <p:animEffect transition="in" filter="fade">
                                       <p:cBhvr>
-                                        <p:cTn id="40" dur="500"/>
+                                        <p:cTn id="36" dur="500"/>
                                         <p:tgtEl>
                                           <p:spTgt spid="14">
                                             <p:txEl>
@@ -15725,9 +15701,9 @@
       </p:par>
     </p:tnLst>
     <p:bldLst>
-      <p:bldP spid="4" grpId="0" animBg="1"/>
+      <p:bldP spid="4" grpId="0" bldLvl="0" animBg="1"/>
       <p:bldP spid="4" grpId="1" animBg="1"/>
-      <p:bldP spid="8" grpId="0" animBg="1"/>
+      <p:bldP spid="8" grpId="0" bldLvl="0" animBg="1"/>
       <p:bldP spid="8" grpId="1" animBg="1"/>
     </p:bldLst>
   </p:timing>
@@ -15859,31 +15835,6 @@
           </a:p>
         </p:txBody>
       </p:sp>
-      <p:pic>
-        <p:nvPicPr>
-          <p:cNvPr id="3" name="Picture 2" descr="encap-1"/>
-          <p:cNvPicPr>
-            <a:picLocks noChangeAspect="1"/>
-          </p:cNvPicPr>
-          <p:nvPr/>
-        </p:nvPicPr>
-        <p:blipFill>
-          <a:blip r:embed="rId1"/>
-          <a:srcRect l="5624" t="6198" r="5297" b="5321"/>
-          <a:stretch>
-            <a:fillRect/>
-          </a:stretch>
-        </p:blipFill>
-        <p:spPr>
-          <a:xfrm>
-            <a:off x="4566285" y="634365"/>
-            <a:ext cx="4281170" cy="3874770"/>
-          </a:xfrm>
-          <a:prstGeom prst="rect">
-            <a:avLst/>
-          </a:prstGeom>
-        </p:spPr>
-      </p:pic>
       <p:sp>
         <p:nvSpPr>
           <p:cNvPr id="12" name="Text Box 11"/>
@@ -15927,23 +15878,56 @@
       </p:sp>
       <p:pic>
         <p:nvPicPr>
-          <p:cNvPr id="2" name="Picture 1" descr="encap-2"/>
+          <p:cNvPr id="5" name="Picture 4"/>
           <p:cNvPicPr>
             <a:picLocks noChangeAspect="1"/>
           </p:cNvPicPr>
-          <p:nvPr/>
+          <p:nvPr>
+            <p:custDataLst>
+              <p:tags r:id="rId1"/>
+            </p:custDataLst>
+          </p:nvPr>
         </p:nvPicPr>
         <p:blipFill>
           <a:blip r:embed="rId2"/>
-          <a:srcRect l="7103" t="8728" r="7228" b="10123"/>
+          <a:srcRect l="6874" t="4379" r="5329" b="4569"/>
           <a:stretch>
             <a:fillRect/>
           </a:stretch>
         </p:blipFill>
         <p:spPr>
           <a:xfrm>
-            <a:off x="970280" y="1118235"/>
-            <a:ext cx="3496945" cy="3024505"/>
+            <a:off x="5056505" y="710565"/>
+            <a:ext cx="3481070" cy="3721735"/>
+          </a:xfrm>
+          <a:prstGeom prst="rect">
+            <a:avLst/>
+          </a:prstGeom>
+        </p:spPr>
+      </p:pic>
+      <p:pic>
+        <p:nvPicPr>
+          <p:cNvPr id="6" name="Picture 5"/>
+          <p:cNvPicPr>
+            <a:picLocks noChangeAspect="1"/>
+          </p:cNvPicPr>
+          <p:nvPr>
+            <p:custDataLst>
+              <p:tags r:id="rId3"/>
+            </p:custDataLst>
+          </p:nvPr>
+        </p:nvPicPr>
+        <p:blipFill>
+          <a:blip r:embed="rId4"/>
+          <a:srcRect l="5239" t="9420" r="5221" b="9420"/>
+          <a:stretch>
+            <a:fillRect/>
+          </a:stretch>
+        </p:blipFill>
+        <p:spPr>
+          <a:xfrm>
+            <a:off x="1096645" y="1303655"/>
+            <a:ext cx="3701415" cy="2834640"/>
           </a:xfrm>
           <a:prstGeom prst="rect">
             <a:avLst/>
@@ -15958,140 +15942,29 @@
   <p:timing>
     <p:tnLst>
       <p:par>
-        <p:cTn id="1" dur="indefinite" restart="never" nodeType="tmRoot">
-          <p:childTnLst>
-            <p:seq concurrent="1" nextAc="seek">
-              <p:cTn id="2" dur="indefinite" nodeType="mainSeq">
-                <p:childTnLst>
-                  <p:par>
-                    <p:cTn id="3" fill="hold">
-                      <p:stCondLst>
-                        <p:cond delay="indefinite"/>
-                      </p:stCondLst>
-                      <p:childTnLst>
-                        <p:par>
-                          <p:cTn id="4" fill="hold">
-                            <p:stCondLst>
-                              <p:cond delay="0"/>
-                            </p:stCondLst>
-                            <p:childTnLst>
-                              <p:par>
-                                <p:cTn id="5" presetID="10" presetClass="entr" presetSubtype="0" fill="hold" nodeType="clickEffect">
-                                  <p:stCondLst>
-                                    <p:cond delay="0"/>
-                                  </p:stCondLst>
-                                  <p:childTnLst>
-                                    <p:set>
-                                      <p:cBhvr>
-                                        <p:cTn id="6" dur="1" fill="hold">
-                                          <p:stCondLst>
-                                            <p:cond delay="0"/>
-                                          </p:stCondLst>
-                                        </p:cTn>
-                                        <p:tgtEl>
-                                          <p:spTgt spid="3"/>
-                                        </p:tgtEl>
-                                        <p:attrNameLst>
-                                          <p:attrName>style.visibility</p:attrName>
-                                        </p:attrNameLst>
-                                      </p:cBhvr>
-                                      <p:to>
-                                        <p:strVal val="visible"/>
-                                      </p:to>
-                                    </p:set>
-                                    <p:animEffect transition="in" filter="fade">
-                                      <p:cBhvr>
-                                        <p:cTn id="7" dur="500"/>
-                                        <p:tgtEl>
-                                          <p:spTgt spid="3"/>
-                                        </p:tgtEl>
-                                      </p:cBhvr>
-                                    </p:animEffect>
-                                  </p:childTnLst>
-                                </p:cTn>
-                              </p:par>
-                            </p:childTnLst>
-                          </p:cTn>
-                        </p:par>
-                      </p:childTnLst>
-                    </p:cTn>
-                  </p:par>
-                  <p:par>
-                    <p:cTn id="8" fill="hold">
-                      <p:stCondLst>
-                        <p:cond delay="indefinite"/>
-                      </p:stCondLst>
-                      <p:childTnLst>
-                        <p:par>
-                          <p:cTn id="9" fill="hold">
-                            <p:stCondLst>
-                              <p:cond delay="0"/>
-                            </p:stCondLst>
-                            <p:childTnLst>
-                              <p:par>
-                                <p:cTn id="10" presetID="10" presetClass="entr" presetSubtype="0" fill="hold" nodeType="clickEffect">
-                                  <p:stCondLst>
-                                    <p:cond delay="0"/>
-                                  </p:stCondLst>
-                                  <p:childTnLst>
-                                    <p:set>
-                                      <p:cBhvr>
-                                        <p:cTn id="11" dur="1" fill="hold">
-                                          <p:stCondLst>
-                                            <p:cond delay="0"/>
-                                          </p:stCondLst>
-                                        </p:cTn>
-                                        <p:tgtEl>
-                                          <p:spTgt spid="2"/>
-                                        </p:tgtEl>
-                                        <p:attrNameLst>
-                                          <p:attrName>style.visibility</p:attrName>
-                                        </p:attrNameLst>
-                                      </p:cBhvr>
-                                      <p:to>
-                                        <p:strVal val="visible"/>
-                                      </p:to>
-                                    </p:set>
-                                    <p:animEffect transition="in" filter="fade">
-                                      <p:cBhvr>
-                                        <p:cTn id="12" dur="500"/>
-                                        <p:tgtEl>
-                                          <p:spTgt spid="2"/>
-                                        </p:tgtEl>
-                                      </p:cBhvr>
-                                    </p:animEffect>
-                                  </p:childTnLst>
-                                </p:cTn>
-                              </p:par>
-                            </p:childTnLst>
-                          </p:cTn>
-                        </p:par>
-                      </p:childTnLst>
-                    </p:cTn>
-                  </p:par>
-                </p:childTnLst>
-              </p:cTn>
-              <p:prevCondLst>
-                <p:cond evt="onPrev" delay="0">
-                  <p:tgtEl>
-                    <p:sldTgt/>
-                  </p:tgtEl>
-                </p:cond>
-              </p:prevCondLst>
-              <p:nextCondLst>
-                <p:cond evt="onNext" delay="0">
-                  <p:tgtEl>
-                    <p:sldTgt/>
-                  </p:tgtEl>
-                </p:cond>
-              </p:nextCondLst>
-            </p:seq>
-          </p:childTnLst>
-        </p:cTn>
+        <p:cTn id="1" dur="indefinite" restart="never" nodeType="tmRoot"/>
       </p:par>
     </p:tnLst>
   </p:timing>
 </p:sld>
+</file>
+
+<file path=ppt/tags/tag1.xml><?xml version="1.0" encoding="utf-8"?>
+<p:tagLst xmlns:p="http://schemas.openxmlformats.org/presentationml/2006/main">
+  <p:tag name="KSO_WM_BEAUTIFY_FLAG" val=""/>
+</p:tagLst>
+</file>
+
+<file path=ppt/tags/tag2.xml><?xml version="1.0" encoding="utf-8"?>
+<p:tagLst xmlns:p="http://schemas.openxmlformats.org/presentationml/2006/main">
+  <p:tag name="KSO_WM_BEAUTIFY_FLAG" val=""/>
+</p:tagLst>
+</file>
+
+<file path=ppt/tags/tag3.xml><?xml version="1.0" encoding="utf-8"?>
+<p:tagLst xmlns:p="http://schemas.openxmlformats.org/presentationml/2006/main">
+  <p:tag name="KSO_WM_BEAUTIFY_FLAG" val=""/>
+</p:tagLst>
 </file>
 
 <file path=ppt/theme/theme1.xml><?xml version="1.0" encoding="utf-8"?>
